--- a/Cours_seance_5_2020.pptx
+++ b/Cours_seance_5_2020.pptx
@@ -5,7 +5,7 @@
     <p:sldMasterId id="2147483672" r:id="rId1"/>
   </p:sldMasterIdLst>
   <p:notesMasterIdLst>
-    <p:notesMasterId r:id="rId18"/>
+    <p:notesMasterId r:id="rId19"/>
   </p:notesMasterIdLst>
   <p:sldIdLst>
     <p:sldId id="267" r:id="rId2"/>
@@ -23,7 +23,8 @@
     <p:sldId id="278" r:id="rId14"/>
     <p:sldId id="279" r:id="rId15"/>
     <p:sldId id="280" r:id="rId16"/>
-    <p:sldId id="281" r:id="rId17"/>
+    <p:sldId id="285" r:id="rId17"/>
+    <p:sldId id="281" r:id="rId18"/>
   </p:sldIdLst>
   <p:sldSz cx="12192000" cy="6858000"/>
   <p:notesSz cx="6858000" cy="9144000"/>
@@ -212,7 +213,7 @@
           <a:p>
             <a:fld id="{68407A44-ACB3-49FA-BFDD-E508664716F1}" type="datetimeFigureOut">
               <a:rPr lang="fr-FR" smtClean="0"/>
-              <a:t>31/08/2020</a:t>
+              <a:t>15/10/2020</a:t>
             </a:fld>
             <a:endParaRPr lang="fr-FR"/>
           </a:p>
@@ -6973,6 +6974,958 @@
       </p:grpSpPr>
       <p:sp>
         <p:nvSpPr>
+          <p:cNvPr id="3" name="Title 2">
+            <a:extLst>
+              <a:ext uri="{FF2B5EF4-FFF2-40B4-BE49-F238E27FC236}">
+                <a16:creationId xmlns:a16="http://schemas.microsoft.com/office/drawing/2014/main" id="{A1A923CD-45DF-9448-B44B-C121FABDD12D}"/>
+              </a:ext>
+            </a:extLst>
+          </p:cNvPr>
+          <p:cNvSpPr>
+            <a:spLocks noGrp="1"/>
+          </p:cNvSpPr>
+          <p:nvPr>
+            <p:ph type="title"/>
+          </p:nvPr>
+        </p:nvSpPr>
+        <p:spPr/>
+        <p:txBody>
+          <a:bodyPr/>
+          <a:lstStyle/>
+          <a:p>
+            <a:r>
+              <a:rPr lang="fr-FR" dirty="0" smtClean="0"/>
+              <a:t>Application</a:t>
+            </a:r>
+            <a:endParaRPr lang="fr-FR" dirty="0">
+              <a:solidFill>
+                <a:srgbClr val="313E48"/>
+              </a:solidFill>
+            </a:endParaRPr>
+          </a:p>
+        </p:txBody>
+      </p:sp>
+      <mc:AlternateContent xmlns:mc="http://schemas.openxmlformats.org/markup-compatibility/2006">
+        <mc:Choice xmlns:a14="http://schemas.microsoft.com/office/drawing/2010/main" Requires="a14">
+          <p:sp>
+            <p:nvSpPr>
+              <p:cNvPr id="4" name="Content Placeholder 4">
+                <a:extLst>
+                  <a:ext uri="{FF2B5EF4-FFF2-40B4-BE49-F238E27FC236}">
+                    <a16:creationId xmlns:a16="http://schemas.microsoft.com/office/drawing/2014/main" id="{85B949DE-4768-7144-9464-E25DC45F3FAF}"/>
+                  </a:ext>
+                </a:extLst>
+              </p:cNvPr>
+              <p:cNvSpPr>
+                <a:spLocks noGrp="1"/>
+              </p:cNvSpPr>
+              <p:nvPr>
+                <p:ph idx="1"/>
+              </p:nvPr>
+            </p:nvSpPr>
+            <p:spPr>
+              <a:xfrm>
+                <a:off x="824188" y="4361442"/>
+                <a:ext cx="10177132" cy="2381259"/>
+              </a:xfrm>
+              <a:noFill/>
+            </p:spPr>
+            <p:txBody>
+              <a:bodyPr>
+                <a:normAutofit/>
+              </a:bodyPr>
+              <a:lstStyle/>
+              <a:p>
+                <a:r>
+                  <a:rPr lang="fr-FR" b="1" dirty="0" smtClean="0">
+                    <a:solidFill>
+                      <a:srgbClr val="313E48"/>
+                    </a:solidFill>
+                  </a:rPr>
+                  <a:t>Calculer </a:t>
+                </a:r>
+                <a14:m>
+                  <m:oMath xmlns:m="http://schemas.openxmlformats.org/officeDocument/2006/math">
+                    <m:acc>
+                      <m:accPr>
+                        <m:chr m:val="⃗"/>
+                        <m:ctrlPr>
+                          <a:rPr lang="fr-FR" b="1" i="1" smtClean="0">
+                            <a:solidFill>
+                              <a:srgbClr val="313E48"/>
+                            </a:solidFill>
+                            <a:latin typeface="Cambria Math" panose="02040503050406030204" pitchFamily="18" charset="0"/>
+                          </a:rPr>
+                        </m:ctrlPr>
+                      </m:accPr>
+                      <m:e>
+                        <m:r>
+                          <a:rPr lang="fr-FR" b="1" i="1" smtClean="0">
+                            <a:solidFill>
+                              <a:srgbClr val="313E48"/>
+                            </a:solidFill>
+                            <a:latin typeface="Cambria Math" panose="02040503050406030204" pitchFamily="18" charset="0"/>
+                          </a:rPr>
+                          <m:t>𝑷</m:t>
+                        </m:r>
+                      </m:e>
+                    </m:acc>
+                  </m:oMath>
+                </a14:m>
+                <a:r>
+                  <a:rPr lang="fr-FR" b="1" dirty="0" smtClean="0">
+                    <a:solidFill>
+                      <a:srgbClr val="313E48"/>
+                    </a:solidFill>
+                  </a:rPr>
+                  <a:t> pour un gymnaste de </a:t>
+                </a:r>
+                <a14:m>
+                  <m:oMath xmlns:m="http://schemas.openxmlformats.org/officeDocument/2006/math">
+                    <m:r>
+                      <a:rPr lang="fr-FR" b="1" i="1" dirty="0" smtClean="0">
+                        <a:solidFill>
+                          <a:srgbClr val="313E48"/>
+                        </a:solidFill>
+                        <a:latin typeface="Cambria Math" panose="02040503050406030204" pitchFamily="18" charset="0"/>
+                      </a:rPr>
+                      <m:t>𝟔𝟎</m:t>
+                    </m:r>
+                    <m:r>
+                      <a:rPr lang="fr-FR" b="1" i="1" dirty="0" smtClean="0">
+                        <a:solidFill>
+                          <a:srgbClr val="313E48"/>
+                        </a:solidFill>
+                        <a:latin typeface="Cambria Math" panose="02040503050406030204" pitchFamily="18" charset="0"/>
+                      </a:rPr>
+                      <m:t> </m:t>
+                    </m:r>
+                    <m:r>
+                      <a:rPr lang="fr-FR" b="1" i="1" dirty="0" smtClean="0">
+                        <a:solidFill>
+                          <a:srgbClr val="313E48"/>
+                        </a:solidFill>
+                        <a:latin typeface="Cambria Math" panose="02040503050406030204" pitchFamily="18" charset="0"/>
+                      </a:rPr>
+                      <m:t>𝒌𝒈</m:t>
+                    </m:r>
+                  </m:oMath>
+                </a14:m>
+                <a:endParaRPr lang="fr-FR" b="1" dirty="0" smtClean="0">
+                  <a:solidFill>
+                    <a:srgbClr val="313E48"/>
+                  </a:solidFill>
+                </a:endParaRPr>
+              </a:p>
+              <a:p>
+                <a:r>
+                  <a:rPr lang="fr-FR" b="1" dirty="0" smtClean="0">
+                    <a:solidFill>
+                      <a:srgbClr val="C00000"/>
+                    </a:solidFill>
+                  </a:rPr>
+                  <a:t>Correction : </a:t>
+                </a:r>
+                <a14:m>
+                  <m:oMath xmlns:m="http://schemas.openxmlformats.org/officeDocument/2006/math">
+                    <m:acc>
+                      <m:accPr>
+                        <m:chr m:val="⃗"/>
+                        <m:ctrlPr>
+                          <a:rPr lang="fr-FR" b="1" i="1" smtClean="0">
+                            <a:solidFill>
+                              <a:srgbClr val="C00000"/>
+                            </a:solidFill>
+                            <a:latin typeface="Cambria Math" panose="02040503050406030204" pitchFamily="18" charset="0"/>
+                          </a:rPr>
+                        </m:ctrlPr>
+                      </m:accPr>
+                      <m:e>
+                        <m:r>
+                          <a:rPr lang="fr-FR" b="1" i="1">
+                            <a:solidFill>
+                              <a:srgbClr val="C00000"/>
+                            </a:solidFill>
+                            <a:latin typeface="Cambria Math" panose="02040503050406030204" pitchFamily="18" charset="0"/>
+                          </a:rPr>
+                          <m:t>𝑷</m:t>
+                        </m:r>
+                      </m:e>
+                    </m:acc>
+                    <m:r>
+                      <a:rPr lang="fr-FR" b="1" i="1" smtClean="0">
+                        <a:solidFill>
+                          <a:srgbClr val="C00000"/>
+                        </a:solidFill>
+                        <a:latin typeface="Cambria Math" panose="02040503050406030204" pitchFamily="18" charset="0"/>
+                      </a:rPr>
+                      <m:t>=−</m:t>
+                    </m:r>
+                    <m:r>
+                      <a:rPr lang="fr-FR" b="1" i="1" smtClean="0">
+                        <a:solidFill>
+                          <a:srgbClr val="C00000"/>
+                        </a:solidFill>
+                        <a:latin typeface="Cambria Math" panose="02040503050406030204" pitchFamily="18" charset="0"/>
+                      </a:rPr>
+                      <m:t>𝒎𝒈</m:t>
+                    </m:r>
+                    <m:acc>
+                      <m:accPr>
+                        <m:chr m:val="⃗"/>
+                        <m:ctrlPr>
+                          <a:rPr lang="fr-FR" b="1" i="1" smtClean="0">
+                            <a:solidFill>
+                              <a:srgbClr val="C00000"/>
+                            </a:solidFill>
+                            <a:latin typeface="Cambria Math" panose="02040503050406030204" pitchFamily="18" charset="0"/>
+                          </a:rPr>
+                        </m:ctrlPr>
+                      </m:accPr>
+                      <m:e>
+                        <m:r>
+                          <a:rPr lang="fr-FR" b="1" i="1" smtClean="0">
+                            <a:solidFill>
+                              <a:srgbClr val="C00000"/>
+                            </a:solidFill>
+                            <a:latin typeface="Cambria Math" panose="02040503050406030204" pitchFamily="18" charset="0"/>
+                          </a:rPr>
+                          <m:t>𝒚</m:t>
+                        </m:r>
+                      </m:e>
+                    </m:acc>
+                    <m:r>
+                      <a:rPr lang="fr-FR" b="1" i="1" smtClean="0">
+                        <a:solidFill>
+                          <a:srgbClr val="C00000"/>
+                        </a:solidFill>
+                        <a:latin typeface="Cambria Math" panose="02040503050406030204" pitchFamily="18" charset="0"/>
+                      </a:rPr>
+                      <m:t>=−</m:t>
+                    </m:r>
+                    <m:r>
+                      <a:rPr lang="fr-FR" b="1" i="1" smtClean="0">
+                        <a:solidFill>
+                          <a:srgbClr val="C00000"/>
+                        </a:solidFill>
+                        <a:latin typeface="Cambria Math" panose="02040503050406030204" pitchFamily="18" charset="0"/>
+                      </a:rPr>
+                      <m:t>𝟓𝟖𝟖</m:t>
+                    </m:r>
+                    <m:r>
+                      <a:rPr lang="fr-FR" b="1" i="1" smtClean="0">
+                        <a:solidFill>
+                          <a:srgbClr val="C00000"/>
+                        </a:solidFill>
+                        <a:latin typeface="Cambria Math" panose="02040503050406030204" pitchFamily="18" charset="0"/>
+                      </a:rPr>
+                      <m:t>.</m:t>
+                    </m:r>
+                    <m:r>
+                      <a:rPr lang="fr-FR" b="1" i="1" smtClean="0">
+                        <a:solidFill>
+                          <a:srgbClr val="C00000"/>
+                        </a:solidFill>
+                        <a:latin typeface="Cambria Math" panose="02040503050406030204" pitchFamily="18" charset="0"/>
+                      </a:rPr>
+                      <m:t>𝟔</m:t>
+                    </m:r>
+                    <m:r>
+                      <a:rPr lang="fr-FR" b="1" i="1" smtClean="0">
+                        <a:solidFill>
+                          <a:srgbClr val="C00000"/>
+                        </a:solidFill>
+                        <a:latin typeface="Cambria Math" panose="02040503050406030204" pitchFamily="18" charset="0"/>
+                      </a:rPr>
+                      <m:t> </m:t>
+                    </m:r>
+                    <m:r>
+                      <a:rPr lang="fr-FR" b="1" i="1" smtClean="0">
+                        <a:solidFill>
+                          <a:srgbClr val="C00000"/>
+                        </a:solidFill>
+                        <a:latin typeface="Cambria Math" panose="02040503050406030204" pitchFamily="18" charset="0"/>
+                      </a:rPr>
+                      <m:t>𝑵</m:t>
+                    </m:r>
+                  </m:oMath>
+                </a14:m>
+                <a:endParaRPr lang="fr-FR" b="1" dirty="0" smtClean="0">
+                  <a:solidFill>
+                    <a:srgbClr val="C00000"/>
+                  </a:solidFill>
+                </a:endParaRPr>
+              </a:p>
+              <a:p>
+                <a:r>
+                  <a:rPr lang="fr-FR" b="1" dirty="0">
+                    <a:solidFill>
+                      <a:srgbClr val="313E48"/>
+                    </a:solidFill>
+                  </a:rPr>
+                  <a:t>Calculer </a:t>
+                </a:r>
+                <a14:m>
+                  <m:oMath xmlns:m="http://schemas.openxmlformats.org/officeDocument/2006/math">
+                    <m:acc>
+                      <m:accPr>
+                        <m:chr m:val="⃗"/>
+                        <m:ctrlPr>
+                          <a:rPr lang="fr-FR" b="1" i="1">
+                            <a:solidFill>
+                              <a:srgbClr val="313E48"/>
+                            </a:solidFill>
+                            <a:latin typeface="Cambria Math" panose="02040503050406030204" pitchFamily="18" charset="0"/>
+                          </a:rPr>
+                        </m:ctrlPr>
+                      </m:accPr>
+                      <m:e>
+                        <m:r>
+                          <a:rPr lang="fr-FR" b="1" i="1" smtClean="0">
+                            <a:solidFill>
+                              <a:srgbClr val="313E48"/>
+                            </a:solidFill>
+                            <a:latin typeface="Cambria Math" panose="02040503050406030204" pitchFamily="18" charset="0"/>
+                          </a:rPr>
+                          <m:t>𝑵</m:t>
+                        </m:r>
+                      </m:e>
+                    </m:acc>
+                  </m:oMath>
+                </a14:m>
+                <a:r>
+                  <a:rPr lang="fr-FR" b="1" dirty="0" smtClean="0">
+                    <a:solidFill>
+                      <a:srgbClr val="313E48"/>
+                    </a:solidFill>
+                  </a:rPr>
+                  <a:t> pour obtenir un équilibre statique</a:t>
+                </a:r>
+              </a:p>
+              <a:p>
+                <a:r>
+                  <a:rPr lang="fr-FR" b="1" dirty="0">
+                    <a:solidFill>
+                      <a:srgbClr val="C00000"/>
+                    </a:solidFill>
+                  </a:rPr>
+                  <a:t>Correction : </a:t>
+                </a:r>
+                <a14:m>
+                  <m:oMath xmlns:m="http://schemas.openxmlformats.org/officeDocument/2006/math">
+                    <m:acc>
+                      <m:accPr>
+                        <m:chr m:val="⃗"/>
+                        <m:ctrlPr>
+                          <a:rPr lang="fr-FR" b="1" i="1">
+                            <a:solidFill>
+                              <a:srgbClr val="C00000"/>
+                            </a:solidFill>
+                            <a:latin typeface="Cambria Math" panose="02040503050406030204" pitchFamily="18" charset="0"/>
+                          </a:rPr>
+                        </m:ctrlPr>
+                      </m:accPr>
+                      <m:e>
+                        <m:r>
+                          <a:rPr lang="fr-FR" b="1" i="1" smtClean="0">
+                            <a:solidFill>
+                              <a:srgbClr val="C00000"/>
+                            </a:solidFill>
+                            <a:latin typeface="Cambria Math" panose="02040503050406030204" pitchFamily="18" charset="0"/>
+                          </a:rPr>
+                          <m:t>𝑵</m:t>
+                        </m:r>
+                      </m:e>
+                    </m:acc>
+                    <m:r>
+                      <a:rPr lang="fr-FR" b="1" i="1">
+                        <a:solidFill>
+                          <a:srgbClr val="C00000"/>
+                        </a:solidFill>
+                        <a:latin typeface="Cambria Math" panose="02040503050406030204" pitchFamily="18" charset="0"/>
+                      </a:rPr>
+                      <m:t>=</m:t>
+                    </m:r>
+                    <m:f>
+                      <m:fPr>
+                        <m:ctrlPr>
+                          <a:rPr lang="fr-FR" b="1" i="1" smtClean="0">
+                            <a:solidFill>
+                              <a:srgbClr val="C00000"/>
+                            </a:solidFill>
+                            <a:latin typeface="Cambria Math" panose="02040503050406030204" pitchFamily="18" charset="0"/>
+                          </a:rPr>
+                        </m:ctrlPr>
+                      </m:fPr>
+                      <m:num>
+                        <m:r>
+                          <a:rPr lang="fr-FR" b="1" i="1">
+                            <a:solidFill>
+                              <a:srgbClr val="C00000"/>
+                            </a:solidFill>
+                            <a:latin typeface="Cambria Math" panose="02040503050406030204" pitchFamily="18" charset="0"/>
+                          </a:rPr>
+                          <m:t>𝒎𝒈</m:t>
+                        </m:r>
+                      </m:num>
+                      <m:den>
+                        <m:r>
+                          <a:rPr lang="fr-FR" b="1" i="1" smtClean="0">
+                            <a:solidFill>
+                              <a:srgbClr val="C00000"/>
+                            </a:solidFill>
+                            <a:latin typeface="Cambria Math" panose="02040503050406030204" pitchFamily="18" charset="0"/>
+                          </a:rPr>
+                          <m:t>𝟐</m:t>
+                        </m:r>
+                      </m:den>
+                    </m:f>
+                    <m:acc>
+                      <m:accPr>
+                        <m:chr m:val="⃗"/>
+                        <m:ctrlPr>
+                          <a:rPr lang="fr-FR" b="1" i="1">
+                            <a:solidFill>
+                              <a:srgbClr val="C00000"/>
+                            </a:solidFill>
+                            <a:latin typeface="Cambria Math" panose="02040503050406030204" pitchFamily="18" charset="0"/>
+                          </a:rPr>
+                        </m:ctrlPr>
+                      </m:accPr>
+                      <m:e>
+                        <m:r>
+                          <a:rPr lang="fr-FR" b="1" i="1">
+                            <a:solidFill>
+                              <a:srgbClr val="C00000"/>
+                            </a:solidFill>
+                            <a:latin typeface="Cambria Math" panose="02040503050406030204" pitchFamily="18" charset="0"/>
+                          </a:rPr>
+                          <m:t>𝒚</m:t>
+                        </m:r>
+                      </m:e>
+                    </m:acc>
+                    <m:r>
+                      <a:rPr lang="fr-FR" b="1" i="1">
+                        <a:solidFill>
+                          <a:srgbClr val="C00000"/>
+                        </a:solidFill>
+                        <a:latin typeface="Cambria Math" panose="02040503050406030204" pitchFamily="18" charset="0"/>
+                      </a:rPr>
+                      <m:t>=</m:t>
+                    </m:r>
+                    <m:r>
+                      <a:rPr lang="fr-FR" b="1" i="1" smtClean="0">
+                        <a:solidFill>
+                          <a:srgbClr val="C00000"/>
+                        </a:solidFill>
+                        <a:latin typeface="Cambria Math" panose="02040503050406030204" pitchFamily="18" charset="0"/>
+                      </a:rPr>
+                      <m:t>𝟐𝟗𝟒</m:t>
+                    </m:r>
+                    <m:r>
+                      <a:rPr lang="fr-FR" b="1" i="1" smtClean="0">
+                        <a:solidFill>
+                          <a:srgbClr val="C00000"/>
+                        </a:solidFill>
+                        <a:latin typeface="Cambria Math" panose="02040503050406030204" pitchFamily="18" charset="0"/>
+                      </a:rPr>
+                      <m:t>.</m:t>
+                    </m:r>
+                    <m:r>
+                      <a:rPr lang="fr-FR" b="1" i="1" smtClean="0">
+                        <a:solidFill>
+                          <a:srgbClr val="C00000"/>
+                        </a:solidFill>
+                        <a:latin typeface="Cambria Math" panose="02040503050406030204" pitchFamily="18" charset="0"/>
+                      </a:rPr>
+                      <m:t>𝟑</m:t>
+                    </m:r>
+                    <m:r>
+                      <a:rPr lang="fr-FR" b="1" i="1">
+                        <a:solidFill>
+                          <a:srgbClr val="C00000"/>
+                        </a:solidFill>
+                        <a:latin typeface="Cambria Math" panose="02040503050406030204" pitchFamily="18" charset="0"/>
+                      </a:rPr>
+                      <m:t>𝑵</m:t>
+                    </m:r>
+                  </m:oMath>
+                </a14:m>
+                <a:endParaRPr lang="fr-FR" b="1" dirty="0">
+                  <a:solidFill>
+                    <a:srgbClr val="C00000"/>
+                  </a:solidFill>
+                </a:endParaRPr>
+              </a:p>
+              <a:p>
+                <a:endParaRPr lang="fr-FR" b="1" dirty="0" smtClean="0">
+                  <a:solidFill>
+                    <a:srgbClr val="313E48"/>
+                  </a:solidFill>
+                </a:endParaRPr>
+              </a:p>
+            </p:txBody>
+          </p:sp>
+        </mc:Choice>
+        <mc:Fallback>
+          <p:sp>
+            <p:nvSpPr>
+              <p:cNvPr id="4" name="Content Placeholder 4">
+                <a:extLst>
+                  <a:ext uri="{FF2B5EF4-FFF2-40B4-BE49-F238E27FC236}">
+                    <a16:creationId xmlns:a16="http://schemas.microsoft.com/office/drawing/2014/main" id="{85B949DE-4768-7144-9464-E25DC45F3FAF}"/>
+                  </a:ext>
+                </a:extLst>
+              </p:cNvPr>
+              <p:cNvSpPr>
+                <a:spLocks noGrp="1" noRot="1" noChangeAspect="1" noMove="1" noResize="1" noEditPoints="1" noAdjustHandles="1" noChangeArrowheads="1" noChangeShapeType="1" noTextEdit="1"/>
+              </p:cNvSpPr>
+              <p:nvPr>
+                <p:ph idx="1"/>
+              </p:nvPr>
+            </p:nvSpPr>
+            <p:spPr>
+              <a:xfrm>
+                <a:off x="824188" y="4361442"/>
+                <a:ext cx="10177132" cy="2381259"/>
+              </a:xfrm>
+              <a:blipFill>
+                <a:blip r:embed="rId5"/>
+                <a:stretch>
+                  <a:fillRect l="-1078" t="-2558"/>
+                </a:stretch>
+              </a:blipFill>
+            </p:spPr>
+            <p:txBody>
+              <a:bodyPr/>
+              <a:lstStyle/>
+              <a:p>
+                <a:r>
+                  <a:rPr lang="fr-FR">
+                    <a:noFill/>
+                  </a:rPr>
+                  <a:t> </a:t>
+                </a:r>
+              </a:p>
+            </p:txBody>
+          </p:sp>
+        </mc:Fallback>
+      </mc:AlternateContent>
+      <p:pic>
+        <p:nvPicPr>
+          <p:cNvPr id="5" name="Picture 2"/>
+          <p:cNvPicPr>
+            <a:picLocks noChangeAspect="1" noChangeArrowheads="1"/>
+          </p:cNvPicPr>
+          <p:nvPr/>
+        </p:nvPicPr>
+        <p:blipFill>
+          <a:blip r:embed="rId6">
+            <a:extLst>
+              <a:ext uri="{28A0092B-C50C-407E-A947-70E740481C1C}">
+                <a14:useLocalDpi xmlns:a14="http://schemas.microsoft.com/office/drawing/2010/main" val="0"/>
+              </a:ext>
+            </a:extLst>
+          </a:blip>
+          <a:srcRect/>
+          <a:stretch>
+            <a:fillRect/>
+          </a:stretch>
+        </p:blipFill>
+        <p:spPr bwMode="auto">
+          <a:xfrm>
+            <a:off x="2175508" y="1236267"/>
+            <a:ext cx="7560840" cy="3193804"/>
+          </a:xfrm>
+          <a:prstGeom prst="rect">
+            <a:avLst/>
+          </a:prstGeom>
+          <a:noFill/>
+          <a:ln>
+            <a:noFill/>
+          </a:ln>
+          <a:extLst>
+            <a:ext uri="{909E8E84-426E-40DD-AFC4-6F175D3DCCD1}">
+              <a14:hiddenFill xmlns:a14="http://schemas.microsoft.com/office/drawing/2010/main">
+                <a:solidFill>
+                  <a:schemeClr val="accent1"/>
+                </a:solidFill>
+              </a14:hiddenFill>
+            </a:ext>
+            <a:ext uri="{91240B29-F687-4F45-9708-019B960494DF}">
+              <a14:hiddenLine xmlns:a14="http://schemas.microsoft.com/office/drawing/2010/main" w="9525">
+                <a:solidFill>
+                  <a:schemeClr val="tx1"/>
+                </a:solidFill>
+                <a:miter lim="800000"/>
+                <a:headEnd/>
+                <a:tailEnd/>
+              </a14:hiddenLine>
+            </a:ext>
+          </a:extLst>
+        </p:spPr>
+      </p:pic>
+      <p:cxnSp>
+        <p:nvCxnSpPr>
+          <p:cNvPr id="6" name="Connecteur droit avec flèche 5"/>
+          <p:cNvCxnSpPr/>
+          <p:nvPr/>
+        </p:nvCxnSpPr>
+        <p:spPr>
+          <a:xfrm>
+            <a:off x="5683708" y="2978748"/>
+            <a:ext cx="0" cy="1152128"/>
+          </a:xfrm>
+          <a:prstGeom prst="straightConnector1">
+            <a:avLst/>
+          </a:prstGeom>
+          <a:ln>
+            <a:tailEnd type="arrow"/>
+          </a:ln>
+        </p:spPr>
+        <p:style>
+          <a:lnRef idx="2">
+            <a:schemeClr val="dk1"/>
+          </a:lnRef>
+          <a:fillRef idx="0">
+            <a:schemeClr val="dk1"/>
+          </a:fillRef>
+          <a:effectRef idx="1">
+            <a:schemeClr val="dk1"/>
+          </a:effectRef>
+          <a:fontRef idx="minor">
+            <a:schemeClr val="tx1"/>
+          </a:fontRef>
+        </p:style>
+      </p:cxnSp>
+      <p:cxnSp>
+        <p:nvCxnSpPr>
+          <p:cNvPr id="7" name="Connecteur droit avec flèche 6"/>
+          <p:cNvCxnSpPr/>
+          <p:nvPr/>
+        </p:nvCxnSpPr>
+        <p:spPr>
+          <a:xfrm flipV="1">
+            <a:off x="4767796" y="3612531"/>
+            <a:ext cx="0" cy="423664"/>
+          </a:xfrm>
+          <a:prstGeom prst="straightConnector1">
+            <a:avLst/>
+          </a:prstGeom>
+          <a:ln>
+            <a:tailEnd type="arrow"/>
+          </a:ln>
+        </p:spPr>
+        <p:style>
+          <a:lnRef idx="2">
+            <a:schemeClr val="dk1"/>
+          </a:lnRef>
+          <a:fillRef idx="0">
+            <a:schemeClr val="dk1"/>
+          </a:fillRef>
+          <a:effectRef idx="1">
+            <a:schemeClr val="dk1"/>
+          </a:effectRef>
+          <a:fontRef idx="minor">
+            <a:schemeClr val="tx1"/>
+          </a:fontRef>
+        </p:style>
+      </p:cxnSp>
+      <p:cxnSp>
+        <p:nvCxnSpPr>
+          <p:cNvPr id="8" name="Connecteur droit avec flèche 7"/>
+          <p:cNvCxnSpPr/>
+          <p:nvPr/>
+        </p:nvCxnSpPr>
+        <p:spPr>
+          <a:xfrm flipV="1">
+            <a:off x="6784020" y="3612531"/>
+            <a:ext cx="0" cy="423664"/>
+          </a:xfrm>
+          <a:prstGeom prst="straightConnector1">
+            <a:avLst/>
+          </a:prstGeom>
+          <a:ln>
+            <a:tailEnd type="arrow"/>
+          </a:ln>
+        </p:spPr>
+        <p:style>
+          <a:lnRef idx="2">
+            <a:schemeClr val="dk1"/>
+          </a:lnRef>
+          <a:fillRef idx="0">
+            <a:schemeClr val="dk1"/>
+          </a:fillRef>
+          <a:effectRef idx="1">
+            <a:schemeClr val="dk1"/>
+          </a:effectRef>
+          <a:fontRef idx="minor">
+            <a:schemeClr val="tx1"/>
+          </a:fontRef>
+        </p:style>
+      </p:cxnSp>
+      <p:pic>
+        <p:nvPicPr>
+          <p:cNvPr id="9" name="Image 8"/>
+          <p:cNvPicPr>
+            <a:picLocks noChangeAspect="1"/>
+          </p:cNvPicPr>
+          <p:nvPr>
+            <p:custDataLst>
+              <p:tags r:id="rId1"/>
+            </p:custDataLst>
+          </p:nvPr>
+        </p:nvPicPr>
+        <p:blipFill>
+          <a:blip r:embed="rId7" cstate="print">
+            <a:extLst>
+              <a:ext uri="{28A0092B-C50C-407E-A947-70E740481C1C}">
+                <a14:useLocalDpi xmlns:a14="http://schemas.microsoft.com/office/drawing/2010/main" val="0"/>
+              </a:ext>
+            </a:extLst>
+          </a:blip>
+          <a:stretch>
+            <a:fillRect/>
+          </a:stretch>
+        </p:blipFill>
+        <p:spPr>
+          <a:xfrm>
+            <a:off x="4323339" y="3381207"/>
+            <a:ext cx="303808" cy="347209"/>
+          </a:xfrm>
+          <a:prstGeom prst="rect">
+            <a:avLst/>
+          </a:prstGeom>
+        </p:spPr>
+      </p:pic>
+      <p:pic>
+        <p:nvPicPr>
+          <p:cNvPr id="10" name="Image 9"/>
+          <p:cNvPicPr>
+            <a:picLocks noChangeAspect="1"/>
+          </p:cNvPicPr>
+          <p:nvPr>
+            <p:custDataLst>
+              <p:tags r:id="rId2"/>
+            </p:custDataLst>
+          </p:nvPr>
+        </p:nvPicPr>
+        <p:blipFill>
+          <a:blip r:embed="rId7" cstate="print">
+            <a:extLst>
+              <a:ext uri="{28A0092B-C50C-407E-A947-70E740481C1C}">
+                <a14:useLocalDpi xmlns:a14="http://schemas.microsoft.com/office/drawing/2010/main" val="0"/>
+              </a:ext>
+            </a:extLst>
+          </a:blip>
+          <a:stretch>
+            <a:fillRect/>
+          </a:stretch>
+        </p:blipFill>
+        <p:spPr>
+          <a:xfrm>
+            <a:off x="6856028" y="3317003"/>
+            <a:ext cx="303808" cy="347209"/>
+          </a:xfrm>
+          <a:prstGeom prst="rect">
+            <a:avLst/>
+          </a:prstGeom>
+        </p:spPr>
+      </p:pic>
+      <p:pic>
+        <p:nvPicPr>
+          <p:cNvPr id="11" name="Image 10"/>
+          <p:cNvPicPr>
+            <a:picLocks noChangeAspect="1"/>
+          </p:cNvPicPr>
+          <p:nvPr>
+            <p:custDataLst>
+              <p:tags r:id="rId3"/>
+            </p:custDataLst>
+          </p:nvPr>
+        </p:nvPicPr>
+        <p:blipFill>
+          <a:blip r:embed="rId8" cstate="print">
+            <a:extLst>
+              <a:ext uri="{28A0092B-C50C-407E-A947-70E740481C1C}">
+                <a14:useLocalDpi xmlns:a14="http://schemas.microsoft.com/office/drawing/2010/main" val="0"/>
+              </a:ext>
+            </a:extLst>
+          </a:blip>
+          <a:stretch>
+            <a:fillRect/>
+          </a:stretch>
+        </p:blipFill>
+        <p:spPr>
+          <a:xfrm>
+            <a:off x="5775908" y="3848092"/>
+            <a:ext cx="288032" cy="376205"/>
+          </a:xfrm>
+          <a:prstGeom prst="rect">
+            <a:avLst/>
+          </a:prstGeom>
+        </p:spPr>
+      </p:pic>
+    </p:spTree>
+    <p:extLst>
+      <p:ext uri="{BB962C8B-B14F-4D97-AF65-F5344CB8AC3E}">
+        <p14:creationId xmlns:p14="http://schemas.microsoft.com/office/powerpoint/2010/main" val="3872482462"/>
+      </p:ext>
+    </p:extLst>
+  </p:cSld>
+  <p:clrMapOvr>
+    <a:masterClrMapping/>
+  </p:clrMapOvr>
+  <p:timing>
+    <p:tnLst>
+      <p:par>
+        <p:cTn id="1" dur="indefinite" restart="never" nodeType="tmRoot">
+          <p:childTnLst>
+            <p:seq concurrent="1" nextAc="seek">
+              <p:cTn id="2" dur="indefinite" nodeType="mainSeq">
+                <p:childTnLst>
+                  <p:par>
+                    <p:cTn id="3" fill="hold">
+                      <p:stCondLst>
+                        <p:cond delay="indefinite"/>
+                      </p:stCondLst>
+                      <p:childTnLst>
+                        <p:par>
+                          <p:cTn id="4" fill="hold">
+                            <p:stCondLst>
+                              <p:cond delay="0"/>
+                            </p:stCondLst>
+                            <p:childTnLst>
+                              <p:par>
+                                <p:cTn id="5" presetID="1" presetClass="entr" presetSubtype="0" fill="hold" nodeType="clickEffect">
+                                  <p:stCondLst>
+                                    <p:cond delay="0"/>
+                                  </p:stCondLst>
+                                  <p:childTnLst>
+                                    <p:set>
+                                      <p:cBhvr>
+                                        <p:cTn id="6" dur="1" fill="hold">
+                                          <p:stCondLst>
+                                            <p:cond delay="0"/>
+                                          </p:stCondLst>
+                                        </p:cTn>
+                                        <p:tgtEl>
+                                          <p:spTgt spid="4">
+                                            <p:txEl>
+                                              <p:pRg st="1" end="1"/>
+                                            </p:txEl>
+                                          </p:spTgt>
+                                        </p:tgtEl>
+                                        <p:attrNameLst>
+                                          <p:attrName>style.visibility</p:attrName>
+                                        </p:attrNameLst>
+                                      </p:cBhvr>
+                                      <p:to>
+                                        <p:strVal val="visible"/>
+                                      </p:to>
+                                    </p:set>
+                                  </p:childTnLst>
+                                </p:cTn>
+                              </p:par>
+                            </p:childTnLst>
+                          </p:cTn>
+                        </p:par>
+                      </p:childTnLst>
+                    </p:cTn>
+                  </p:par>
+                  <p:par>
+                    <p:cTn id="7" fill="hold">
+                      <p:stCondLst>
+                        <p:cond delay="indefinite"/>
+                      </p:stCondLst>
+                      <p:childTnLst>
+                        <p:par>
+                          <p:cTn id="8" fill="hold">
+                            <p:stCondLst>
+                              <p:cond delay="0"/>
+                            </p:stCondLst>
+                            <p:childTnLst>
+                              <p:par>
+                                <p:cTn id="9" presetID="1" presetClass="entr" presetSubtype="0" fill="hold" nodeType="clickEffect">
+                                  <p:stCondLst>
+                                    <p:cond delay="0"/>
+                                  </p:stCondLst>
+                                  <p:childTnLst>
+                                    <p:set>
+                                      <p:cBhvr>
+                                        <p:cTn id="10" dur="1" fill="hold">
+                                          <p:stCondLst>
+                                            <p:cond delay="0"/>
+                                          </p:stCondLst>
+                                        </p:cTn>
+                                        <p:tgtEl>
+                                          <p:spTgt spid="4">
+                                            <p:txEl>
+                                              <p:pRg st="3" end="3"/>
+                                            </p:txEl>
+                                          </p:spTgt>
+                                        </p:tgtEl>
+                                        <p:attrNameLst>
+                                          <p:attrName>style.visibility</p:attrName>
+                                        </p:attrNameLst>
+                                      </p:cBhvr>
+                                      <p:to>
+                                        <p:strVal val="visible"/>
+                                      </p:to>
+                                    </p:set>
+                                  </p:childTnLst>
+                                </p:cTn>
+                              </p:par>
+                            </p:childTnLst>
+                          </p:cTn>
+                        </p:par>
+                      </p:childTnLst>
+                    </p:cTn>
+                  </p:par>
+                </p:childTnLst>
+              </p:cTn>
+              <p:prevCondLst>
+                <p:cond evt="onPrev" delay="0">
+                  <p:tgtEl>
+                    <p:sldTgt/>
+                  </p:tgtEl>
+                </p:cond>
+              </p:prevCondLst>
+              <p:nextCondLst>
+                <p:cond evt="onNext" delay="0">
+                  <p:tgtEl>
+                    <p:sldTgt/>
+                  </p:tgtEl>
+                </p:cond>
+              </p:nextCondLst>
+            </p:seq>
+          </p:childTnLst>
+        </p:cTn>
+      </p:par>
+    </p:tnLst>
+  </p:timing>
+</p:sld>
+</file>
+
+<file path=ppt/slides/slide17.xml><?xml version="1.0" encoding="utf-8"?>
+<p:sld xmlns:a="http://schemas.openxmlformats.org/drawingml/2006/main" xmlns:r="http://schemas.openxmlformats.org/officeDocument/2006/relationships" xmlns:p="http://schemas.openxmlformats.org/presentationml/2006/main">
+  <p:cSld>
+    <p:spTree>
+      <p:nvGrpSpPr>
+        <p:cNvPr id="1" name=""/>
+        <p:cNvGrpSpPr/>
+        <p:nvPr/>
+      </p:nvGrpSpPr>
+      <p:grpSpPr>
+        <a:xfrm>
+          <a:off x="0" y="0"/>
+          <a:ext cx="0" cy="0"/>
+          <a:chOff x="0" y="0"/>
+          <a:chExt cx="0" cy="0"/>
+        </a:xfrm>
+      </p:grpSpPr>
+      <p:sp>
+        <p:nvSpPr>
           <p:cNvPr id="2" name="Title 1">
             <a:extLst>
               <a:ext uri="{FF2B5EF4-FFF2-40B4-BE49-F238E27FC236}">
@@ -10682,21 +11635,8 @@
                   <a:srgbClr val="C00000"/>
                 </a:solidFill>
               </a:rPr>
-              <a:t>Force de traction / </a:t>
+              <a:t>Force de traction / poussée</a:t>
             </a:r>
-            <a:r>
-              <a:rPr lang="fr-FR" b="1" dirty="0" smtClean="0">
-                <a:solidFill>
-                  <a:srgbClr val="C00000"/>
-                </a:solidFill>
-              </a:rPr>
-              <a:t>poussée</a:t>
-            </a:r>
-            <a:endParaRPr lang="fr-FR" b="1" dirty="0" smtClean="0">
-              <a:solidFill>
-                <a:srgbClr val="C00000"/>
-              </a:solidFill>
-            </a:endParaRPr>
           </a:p>
           <a:p>
             <a:r>
@@ -11644,6 +12584,114 @@
                                   </p:childTnLst>
                                 </p:cTn>
                               </p:par>
+                              <p:par>
+                                <p:cTn id="9" presetID="1" presetClass="entr" presetSubtype="0" fill="hold" grpId="0" nodeType="withEffect">
+                                  <p:stCondLst>
+                                    <p:cond delay="0"/>
+                                  </p:stCondLst>
+                                  <p:childTnLst>
+                                    <p:set>
+                                      <p:cBhvr>
+                                        <p:cTn id="10" dur="1" fill="hold">
+                                          <p:stCondLst>
+                                            <p:cond delay="0"/>
+                                          </p:stCondLst>
+                                        </p:cTn>
+                                        <p:tgtEl>
+                                          <p:spTgt spid="17"/>
+                                        </p:tgtEl>
+                                        <p:attrNameLst>
+                                          <p:attrName>style.visibility</p:attrName>
+                                        </p:attrNameLst>
+                                      </p:cBhvr>
+                                      <p:to>
+                                        <p:strVal val="visible"/>
+                                      </p:to>
+                                    </p:set>
+                                  </p:childTnLst>
+                                </p:cTn>
+                              </p:par>
+                              <p:par>
+                                <p:cTn id="11" presetID="1" presetClass="entr" presetSubtype="0" fill="hold" nodeType="withEffect">
+                                  <p:stCondLst>
+                                    <p:cond delay="0"/>
+                                  </p:stCondLst>
+                                  <p:childTnLst>
+                                    <p:set>
+                                      <p:cBhvr>
+                                        <p:cTn id="12" dur="1" fill="hold">
+                                          <p:stCondLst>
+                                            <p:cond delay="0"/>
+                                          </p:stCondLst>
+                                        </p:cTn>
+                                        <p:tgtEl>
+                                          <p:spTgt spid="24"/>
+                                        </p:tgtEl>
+                                        <p:attrNameLst>
+                                          <p:attrName>style.visibility</p:attrName>
+                                        </p:attrNameLst>
+                                      </p:cBhvr>
+                                      <p:to>
+                                        <p:strVal val="visible"/>
+                                      </p:to>
+                                    </p:set>
+                                  </p:childTnLst>
+                                </p:cTn>
+                              </p:par>
+                              <p:par>
+                                <p:cTn id="13" presetID="1" presetClass="entr" presetSubtype="0" fill="hold" grpId="0" nodeType="withEffect">
+                                  <p:stCondLst>
+                                    <p:cond delay="0"/>
+                                  </p:stCondLst>
+                                  <p:childTnLst>
+                                    <p:set>
+                                      <p:cBhvr>
+                                        <p:cTn id="14" dur="1" fill="hold">
+                                          <p:stCondLst>
+                                            <p:cond delay="0"/>
+                                          </p:stCondLst>
+                                        </p:cTn>
+                                        <p:tgtEl>
+                                          <p:spTgt spid="28"/>
+                                        </p:tgtEl>
+                                        <p:attrNameLst>
+                                          <p:attrName>style.visibility</p:attrName>
+                                        </p:attrNameLst>
+                                      </p:cBhvr>
+                                      <p:to>
+                                        <p:strVal val="visible"/>
+                                      </p:to>
+                                    </p:set>
+                                  </p:childTnLst>
+                                </p:cTn>
+                              </p:par>
+                              <p:par>
+                                <p:cTn id="15" presetID="1" presetClass="entr" presetSubtype="0" fill="hold" grpId="0" nodeType="withEffect">
+                                  <p:stCondLst>
+                                    <p:cond delay="0"/>
+                                  </p:stCondLst>
+                                  <p:childTnLst>
+                                    <p:set>
+                                      <p:cBhvr>
+                                        <p:cTn id="16" dur="1" fill="hold">
+                                          <p:stCondLst>
+                                            <p:cond delay="0"/>
+                                          </p:stCondLst>
+                                        </p:cTn>
+                                        <p:tgtEl>
+                                          <p:spTgt spid="30"/>
+                                        </p:tgtEl>
+                                        <p:attrNameLst>
+                                          <p:attrName>style.visibility</p:attrName>
+                                        </p:attrNameLst>
+                                      </p:cBhvr>
+                                      <p:to>
+                                        <p:strVal val="visible"/>
+                                      </p:to>
+                                    </p:set>
+                                  </p:childTnLst>
+                                </p:cTn>
+                              </p:par>
                             </p:childTnLst>
                           </p:cTn>
                         </p:par>
@@ -11651,26 +12699,26 @@
                     </p:cTn>
                   </p:par>
                   <p:par>
-                    <p:cTn id="9" fill="hold">
+                    <p:cTn id="17" fill="hold">
                       <p:stCondLst>
                         <p:cond delay="indefinite"/>
                       </p:stCondLst>
                       <p:childTnLst>
                         <p:par>
-                          <p:cTn id="10" fill="hold">
+                          <p:cTn id="18" fill="hold">
                             <p:stCondLst>
                               <p:cond delay="0"/>
                             </p:stCondLst>
                             <p:childTnLst>
                               <p:par>
-                                <p:cTn id="11" presetID="1" presetClass="entr" presetSubtype="0" fill="hold" nodeType="clickEffect">
+                                <p:cTn id="19" presetID="1" presetClass="entr" presetSubtype="0" fill="hold" nodeType="clickEffect">
                                   <p:stCondLst>
                                     <p:cond delay="0"/>
                                   </p:stCondLst>
                                   <p:childTnLst>
                                     <p:set>
                                       <p:cBhvr>
-                                        <p:cTn id="12" dur="1" fill="hold">
+                                        <p:cTn id="20" dur="1" fill="hold">
                                           <p:stCondLst>
                                             <p:cond delay="0"/>
                                           </p:stCondLst>
@@ -11693,6 +12741,141 @@
                                   </p:childTnLst>
                                 </p:cTn>
                               </p:par>
+                              <p:par>
+                                <p:cTn id="21" presetID="1" presetClass="entr" presetSubtype="0" fill="hold" grpId="0" nodeType="withEffect">
+                                  <p:stCondLst>
+                                    <p:cond delay="0"/>
+                                  </p:stCondLst>
+                                  <p:childTnLst>
+                                    <p:set>
+                                      <p:cBhvr>
+                                        <p:cTn id="22" dur="1" fill="hold">
+                                          <p:stCondLst>
+                                            <p:cond delay="0"/>
+                                          </p:stCondLst>
+                                        </p:cTn>
+                                        <p:tgtEl>
+                                          <p:spTgt spid="19"/>
+                                        </p:tgtEl>
+                                        <p:attrNameLst>
+                                          <p:attrName>style.visibility</p:attrName>
+                                        </p:attrNameLst>
+                                      </p:cBhvr>
+                                      <p:to>
+                                        <p:strVal val="visible"/>
+                                      </p:to>
+                                    </p:set>
+                                  </p:childTnLst>
+                                </p:cTn>
+                              </p:par>
+                              <p:par>
+                                <p:cTn id="23" presetID="1" presetClass="entr" presetSubtype="0" fill="hold" grpId="0" nodeType="withEffect">
+                                  <p:stCondLst>
+                                    <p:cond delay="0"/>
+                                  </p:stCondLst>
+                                  <p:childTnLst>
+                                    <p:set>
+                                      <p:cBhvr>
+                                        <p:cTn id="24" dur="1" fill="hold">
+                                          <p:stCondLst>
+                                            <p:cond delay="0"/>
+                                          </p:stCondLst>
+                                        </p:cTn>
+                                        <p:tgtEl>
+                                          <p:spTgt spid="20"/>
+                                        </p:tgtEl>
+                                        <p:attrNameLst>
+                                          <p:attrName>style.visibility</p:attrName>
+                                        </p:attrNameLst>
+                                      </p:cBhvr>
+                                      <p:to>
+                                        <p:strVal val="visible"/>
+                                      </p:to>
+                                    </p:set>
+                                  </p:childTnLst>
+                                </p:cTn>
+                              </p:par>
+                              <p:par>
+                                <p:cTn id="25" presetID="1" presetClass="entr" presetSubtype="0" fill="hold" grpId="0" nodeType="withEffect">
+                                  <p:stCondLst>
+                                    <p:cond delay="0"/>
+                                  </p:stCondLst>
+                                  <p:childTnLst>
+                                    <p:set>
+                                      <p:cBhvr>
+                                        <p:cTn id="26" dur="1" fill="hold">
+                                          <p:stCondLst>
+                                            <p:cond delay="0"/>
+                                          </p:stCondLst>
+                                        </p:cTn>
+                                        <p:tgtEl>
+                                          <p:spTgt spid="21"/>
+                                        </p:tgtEl>
+                                        <p:attrNameLst>
+                                          <p:attrName>style.visibility</p:attrName>
+                                        </p:attrNameLst>
+                                      </p:cBhvr>
+                                      <p:to>
+                                        <p:strVal val="visible"/>
+                                      </p:to>
+                                    </p:set>
+                                  </p:childTnLst>
+                                </p:cTn>
+                              </p:par>
+                              <p:par>
+                                <p:cTn id="27" presetID="1" presetClass="entr" presetSubtype="0" fill="hold" nodeType="withEffect">
+                                  <p:stCondLst>
+                                    <p:cond delay="0"/>
+                                  </p:stCondLst>
+                                  <p:childTnLst>
+                                    <p:set>
+                                      <p:cBhvr>
+                                        <p:cTn id="28" dur="1" fill="hold">
+                                          <p:stCondLst>
+                                            <p:cond delay="0"/>
+                                          </p:stCondLst>
+                                        </p:cTn>
+                                        <p:tgtEl>
+                                          <p:spTgt spid="26"/>
+                                        </p:tgtEl>
+                                        <p:attrNameLst>
+                                          <p:attrName>style.visibility</p:attrName>
+                                        </p:attrNameLst>
+                                      </p:cBhvr>
+                                      <p:to>
+                                        <p:strVal val="visible"/>
+                                      </p:to>
+                                    </p:set>
+                                  </p:childTnLst>
+                                </p:cTn>
+                              </p:par>
+                              <p:par>
+                                <p:cTn id="29" presetID="1" presetClass="entr" presetSubtype="0" fill="hold" grpId="0" nodeType="withEffect">
+                                  <p:stCondLst>
+                                    <p:cond delay="0"/>
+                                  </p:stCondLst>
+                                  <p:childTnLst>
+                                    <p:set>
+                                      <p:cBhvr>
+                                        <p:cTn id="30" dur="1" fill="hold">
+                                          <p:stCondLst>
+                                            <p:cond delay="0"/>
+                                          </p:stCondLst>
+                                        </p:cTn>
+                                        <p:tgtEl>
+                                          <p:spTgt spid="29"/>
+                                        </p:tgtEl>
+                                        <p:attrNameLst>
+                                          <p:attrName>style.visibility</p:attrName>
+                                        </p:attrNameLst>
+                                      </p:cBhvr>
+                                      <p:to>
+                                        <p:strVal val="visible"/>
+                                      </p:to>
+                                    </p:set>
+                                  </p:childTnLst>
+                                </p:cTn>
+                              </p:par>
                             </p:childTnLst>
                           </p:cTn>
                         </p:par>
@@ -11700,26 +12883,26 @@
                     </p:cTn>
                   </p:par>
                   <p:par>
-                    <p:cTn id="13" fill="hold">
+                    <p:cTn id="31" fill="hold">
                       <p:stCondLst>
                         <p:cond delay="indefinite"/>
                       </p:stCondLst>
                       <p:childTnLst>
                         <p:par>
-                          <p:cTn id="14" fill="hold">
+                          <p:cTn id="32" fill="hold">
                             <p:stCondLst>
                               <p:cond delay="0"/>
                             </p:stCondLst>
                             <p:childTnLst>
                               <p:par>
-                                <p:cTn id="15" presetID="1" presetClass="entr" presetSubtype="0" fill="hold" nodeType="clickEffect">
+                                <p:cTn id="33" presetID="1" presetClass="entr" presetSubtype="0" fill="hold" nodeType="clickEffect">
                                   <p:stCondLst>
                                     <p:cond delay="0"/>
                                   </p:stCondLst>
                                   <p:childTnLst>
                                     <p:set>
                                       <p:cBhvr>
-                                        <p:cTn id="16" dur="1" fill="hold">
+                                        <p:cTn id="34" dur="1" fill="hold">
                                           <p:stCondLst>
                                             <p:cond delay="0"/>
                                           </p:stCondLst>
@@ -11743,14 +12926,14 @@
                                 </p:cTn>
                               </p:par>
                               <p:par>
-                                <p:cTn id="17" presetID="1" presetClass="entr" presetSubtype="0" fill="hold" nodeType="withEffect">
+                                <p:cTn id="35" presetID="1" presetClass="entr" presetSubtype="0" fill="hold" nodeType="withEffect">
                                   <p:stCondLst>
                                     <p:cond delay="0"/>
                                   </p:stCondLst>
                                   <p:childTnLst>
                                     <p:set>
                                       <p:cBhvr>
-                                        <p:cTn id="18" dur="1" fill="hold">
+                                        <p:cTn id="36" dur="1" fill="hold">
                                           <p:stCondLst>
                                             <p:cond delay="0"/>
                                           </p:stCondLst>
@@ -11774,14 +12957,14 @@
                                 </p:cTn>
                               </p:par>
                               <p:par>
-                                <p:cTn id="19" presetID="1" presetClass="entr" presetSubtype="0" fill="hold" nodeType="withEffect">
+                                <p:cTn id="37" presetID="1" presetClass="entr" presetSubtype="0" fill="hold" nodeType="withEffect">
                                   <p:stCondLst>
                                     <p:cond delay="0"/>
                                   </p:stCondLst>
                                   <p:childTnLst>
                                     <p:set>
                                       <p:cBhvr>
-                                        <p:cTn id="20" dur="1" fill="hold">
+                                        <p:cTn id="38" dur="1" fill="hold">
                                           <p:stCondLst>
                                             <p:cond delay="0"/>
                                           </p:stCondLst>
@@ -11805,262 +12988,7 @@
                                 </p:cTn>
                               </p:par>
                               <p:par>
-                                <p:cTn id="21" presetID="1" presetClass="entr" presetSubtype="0" fill="hold" nodeType="withEffect">
-                                  <p:stCondLst>
-                                    <p:cond delay="0"/>
-                                  </p:stCondLst>
-                                  <p:childTnLst>
-                                    <p:set>
-                                      <p:cBhvr>
-                                        <p:cTn id="22" dur="1" fill="hold">
-                                          <p:stCondLst>
-                                            <p:cond delay="0"/>
-                                          </p:stCondLst>
-                                        </p:cTn>
-                                        <p:tgtEl>
-                                          <p:spTgt spid="13">
-                                            <p:txEl>
-                                              <p:pRg st="8" end="8"/>
-                                            </p:txEl>
-                                          </p:spTgt>
-                                        </p:tgtEl>
-                                        <p:attrNameLst>
-                                          <p:attrName>style.visibility</p:attrName>
-                                        </p:attrNameLst>
-                                      </p:cBhvr>
-                                      <p:to>
-                                        <p:strVal val="visible"/>
-                                      </p:to>
-                                    </p:set>
-                                  </p:childTnLst>
-                                </p:cTn>
-                              </p:par>
-                              <p:par>
-                                <p:cTn id="23" presetID="1" presetClass="entr" presetSubtype="0" fill="hold" nodeType="withEffect">
-                                  <p:stCondLst>
-                                    <p:cond delay="0"/>
-                                  </p:stCondLst>
-                                  <p:childTnLst>
-                                    <p:set>
-                                      <p:cBhvr>
-                                        <p:cTn id="24" dur="1" fill="hold">
-                                          <p:stCondLst>
-                                            <p:cond delay="0"/>
-                                          </p:stCondLst>
-                                        </p:cTn>
-                                        <p:tgtEl>
-                                          <p:spTgt spid="13">
-                                            <p:txEl>
-                                              <p:pRg st="9" end="9"/>
-                                            </p:txEl>
-                                          </p:spTgt>
-                                        </p:tgtEl>
-                                        <p:attrNameLst>
-                                          <p:attrName>style.visibility</p:attrName>
-                                        </p:attrNameLst>
-                                      </p:cBhvr>
-                                      <p:to>
-                                        <p:strVal val="visible"/>
-                                      </p:to>
-                                    </p:set>
-                                  </p:childTnLst>
-                                </p:cTn>
-                              </p:par>
-                              <p:par>
-                                <p:cTn id="25" presetID="1" presetClass="entr" presetSubtype="0" fill="hold" nodeType="withEffect">
-                                  <p:stCondLst>
-                                    <p:cond delay="0"/>
-                                  </p:stCondLst>
-                                  <p:childTnLst>
-                                    <p:set>
-                                      <p:cBhvr>
-                                        <p:cTn id="26" dur="1" fill="hold">
-                                          <p:stCondLst>
-                                            <p:cond delay="0"/>
-                                          </p:stCondLst>
-                                        </p:cTn>
-                                        <p:tgtEl>
-                                          <p:spTgt spid="13">
-                                            <p:txEl>
-                                              <p:pRg st="10" end="10"/>
-                                            </p:txEl>
-                                          </p:spTgt>
-                                        </p:tgtEl>
-                                        <p:attrNameLst>
-                                          <p:attrName>style.visibility</p:attrName>
-                                        </p:attrNameLst>
-                                      </p:cBhvr>
-                                      <p:to>
-                                        <p:strVal val="visible"/>
-                                      </p:to>
-                                    </p:set>
-                                  </p:childTnLst>
-                                </p:cTn>
-                              </p:par>
-                              <p:par>
-                                <p:cTn id="27" presetID="1" presetClass="entr" presetSubtype="0" fill="hold" grpId="0" nodeType="withEffect">
-                                  <p:stCondLst>
-                                    <p:cond delay="0"/>
-                                  </p:stCondLst>
-                                  <p:childTnLst>
-                                    <p:set>
-                                      <p:cBhvr>
-                                        <p:cTn id="28" dur="1" fill="hold">
-                                          <p:stCondLst>
-                                            <p:cond delay="0"/>
-                                          </p:stCondLst>
-                                        </p:cTn>
-                                        <p:tgtEl>
-                                          <p:spTgt spid="17"/>
-                                        </p:tgtEl>
-                                        <p:attrNameLst>
-                                          <p:attrName>style.visibility</p:attrName>
-                                        </p:attrNameLst>
-                                      </p:cBhvr>
-                                      <p:to>
-                                        <p:strVal val="visible"/>
-                                      </p:to>
-                                    </p:set>
-                                  </p:childTnLst>
-                                </p:cTn>
-                              </p:par>
-                              <p:par>
-                                <p:cTn id="29" presetID="1" presetClass="entr" presetSubtype="0" fill="hold" nodeType="withEffect">
-                                  <p:stCondLst>
-                                    <p:cond delay="0"/>
-                                  </p:stCondLst>
-                                  <p:childTnLst>
-                                    <p:set>
-                                      <p:cBhvr>
-                                        <p:cTn id="30" dur="1" fill="hold">
-                                          <p:stCondLst>
-                                            <p:cond delay="0"/>
-                                          </p:stCondLst>
-                                        </p:cTn>
-                                        <p:tgtEl>
-                                          <p:spTgt spid="24"/>
-                                        </p:tgtEl>
-                                        <p:attrNameLst>
-                                          <p:attrName>style.visibility</p:attrName>
-                                        </p:attrNameLst>
-                                      </p:cBhvr>
-                                      <p:to>
-                                        <p:strVal val="visible"/>
-                                      </p:to>
-                                    </p:set>
-                                  </p:childTnLst>
-                                </p:cTn>
-                              </p:par>
-                              <p:par>
-                                <p:cTn id="31" presetID="1" presetClass="entr" presetSubtype="0" fill="hold" grpId="0" nodeType="withEffect">
-                                  <p:stCondLst>
-                                    <p:cond delay="0"/>
-                                  </p:stCondLst>
-                                  <p:childTnLst>
-                                    <p:set>
-                                      <p:cBhvr>
-                                        <p:cTn id="32" dur="1" fill="hold">
-                                          <p:stCondLst>
-                                            <p:cond delay="0"/>
-                                          </p:stCondLst>
-                                        </p:cTn>
-                                        <p:tgtEl>
-                                          <p:spTgt spid="28"/>
-                                        </p:tgtEl>
-                                        <p:attrNameLst>
-                                          <p:attrName>style.visibility</p:attrName>
-                                        </p:attrNameLst>
-                                      </p:cBhvr>
-                                      <p:to>
-                                        <p:strVal val="visible"/>
-                                      </p:to>
-                                    </p:set>
-                                  </p:childTnLst>
-                                </p:cTn>
-                              </p:par>
-                              <p:par>
-                                <p:cTn id="33" presetID="1" presetClass="entr" presetSubtype="0" fill="hold" grpId="0" nodeType="withEffect">
-                                  <p:stCondLst>
-                                    <p:cond delay="0"/>
-                                  </p:stCondLst>
-                                  <p:childTnLst>
-                                    <p:set>
-                                      <p:cBhvr>
-                                        <p:cTn id="34" dur="1" fill="hold">
-                                          <p:stCondLst>
-                                            <p:cond delay="0"/>
-                                          </p:stCondLst>
-                                        </p:cTn>
-                                        <p:tgtEl>
-                                          <p:spTgt spid="30"/>
-                                        </p:tgtEl>
-                                        <p:attrNameLst>
-                                          <p:attrName>style.visibility</p:attrName>
-                                        </p:attrNameLst>
-                                      </p:cBhvr>
-                                      <p:to>
-                                        <p:strVal val="visible"/>
-                                      </p:to>
-                                    </p:set>
-                                  </p:childTnLst>
-                                </p:cTn>
-                              </p:par>
-                              <p:par>
-                                <p:cTn id="35" presetID="1" presetClass="entr" presetSubtype="0" fill="hold" grpId="0" nodeType="withEffect">
-                                  <p:stCondLst>
-                                    <p:cond delay="0"/>
-                                  </p:stCondLst>
-                                  <p:childTnLst>
-                                    <p:set>
-                                      <p:cBhvr>
-                                        <p:cTn id="36" dur="1" fill="hold">
-                                          <p:stCondLst>
-                                            <p:cond delay="0"/>
-                                          </p:stCondLst>
-                                        </p:cTn>
-                                        <p:tgtEl>
-                                          <p:spTgt spid="19"/>
-                                        </p:tgtEl>
-                                        <p:attrNameLst>
-                                          <p:attrName>style.visibility</p:attrName>
-                                        </p:attrNameLst>
-                                      </p:cBhvr>
-                                      <p:to>
-                                        <p:strVal val="visible"/>
-                                      </p:to>
-                                    </p:set>
-                                  </p:childTnLst>
-                                </p:cTn>
-                              </p:par>
-                              <p:par>
-                                <p:cTn id="37" presetID="1" presetClass="entr" presetSubtype="0" fill="hold" grpId="0" nodeType="withEffect">
-                                  <p:stCondLst>
-                                    <p:cond delay="0"/>
-                                  </p:stCondLst>
-                                  <p:childTnLst>
-                                    <p:set>
-                                      <p:cBhvr>
-                                        <p:cTn id="38" dur="1" fill="hold">
-                                          <p:stCondLst>
-                                            <p:cond delay="0"/>
-                                          </p:stCondLst>
-                                        </p:cTn>
-                                        <p:tgtEl>
-                                          <p:spTgt spid="20"/>
-                                        </p:tgtEl>
-                                        <p:attrNameLst>
-                                          <p:attrName>style.visibility</p:attrName>
-                                        </p:attrNameLst>
-                                      </p:cBhvr>
-                                      <p:to>
-                                        <p:strVal val="visible"/>
-                                      </p:to>
-                                    </p:set>
-                                  </p:childTnLst>
-                                </p:cTn>
-                              </p:par>
-                              <p:par>
-                                <p:cTn id="39" presetID="1" presetClass="entr" presetSubtype="0" fill="hold" grpId="0" nodeType="withEffect">
+                                <p:cTn id="39" presetID="1" presetClass="entr" presetSubtype="0" fill="hold" nodeType="withEffect">
                                   <p:stCondLst>
                                     <p:cond delay="0"/>
                                   </p:stCondLst>
@@ -12073,7 +13001,11 @@
                                           </p:stCondLst>
                                         </p:cTn>
                                         <p:tgtEl>
-                                          <p:spTgt spid="21"/>
+                                          <p:spTgt spid="13">
+                                            <p:txEl>
+                                              <p:pRg st="8" end="8"/>
+                                            </p:txEl>
+                                          </p:spTgt>
                                         </p:tgtEl>
                                         <p:attrNameLst>
                                           <p:attrName>style.visibility</p:attrName>
@@ -12100,7 +13032,11 @@
                                           </p:stCondLst>
                                         </p:cTn>
                                         <p:tgtEl>
-                                          <p:spTgt spid="26"/>
+                                          <p:spTgt spid="13">
+                                            <p:txEl>
+                                              <p:pRg st="9" end="9"/>
+                                            </p:txEl>
+                                          </p:spTgt>
                                         </p:tgtEl>
                                         <p:attrNameLst>
                                           <p:attrName>style.visibility</p:attrName>
@@ -12114,7 +13050,7 @@
                                 </p:cTn>
                               </p:par>
                               <p:par>
-                                <p:cTn id="43" presetID="1" presetClass="entr" presetSubtype="0" fill="hold" grpId="0" nodeType="withEffect">
+                                <p:cTn id="43" presetID="1" presetClass="entr" presetSubtype="0" fill="hold" nodeType="withEffect">
                                   <p:stCondLst>
                                     <p:cond delay="0"/>
                                   </p:stCondLst>
@@ -12127,7 +13063,11 @@
                                           </p:stCondLst>
                                         </p:cTn>
                                         <p:tgtEl>
-                                          <p:spTgt spid="29"/>
+                                          <p:spTgt spid="13">
+                                            <p:txEl>
+                                              <p:pRg st="10" end="10"/>
+                                            </p:txEl>
+                                          </p:spTgt>
                                         </p:tgtEl>
                                         <p:attrNameLst>
                                           <p:attrName>style.visibility</p:attrName>
@@ -12371,8 +13311,8 @@
           </a:p>
         </p:txBody>
       </p:sp>
-      <mc:AlternateContent xmlns:mc="http://schemas.openxmlformats.org/markup-compatibility/2006">
-        <mc:Choice xmlns:a14="http://schemas.microsoft.com/office/drawing/2010/main" Requires="a14">
+      <mc:AlternateContent xmlns:mc="http://schemas.openxmlformats.org/markup-compatibility/2006" xmlns:a14="http://schemas.microsoft.com/office/drawing/2010/main">
+        <mc:Choice Requires="a14">
           <p:sp>
             <p:nvSpPr>
               <p:cNvPr id="10" name="ZoneTexte 9"/>
@@ -12481,7 +13421,6 @@
                 </a:endParaRPr>
               </a:p>
               <a:p>
-                <a:pPr/>
                 <a14:m>
                   <m:oMath xmlns:m="http://schemas.openxmlformats.org/officeDocument/2006/math">
                     <m:sSub>
@@ -12532,7 +13471,6 @@
                 <a:endParaRPr lang="fr-FR" sz="3200" dirty="0"/>
               </a:p>
               <a:p>
-                <a:pPr/>
                 <a:r>
                   <a:rPr lang="fr-FR" sz="3200" dirty="0" smtClean="0"/>
                   <a:t>      dépend de la surface </a:t>
@@ -12544,7 +13482,6 @@
                 <a:endParaRPr lang="en-US" sz="3200" dirty="0"/>
               </a:p>
               <a:p>
-                <a:pPr/>
                 <a:endParaRPr lang="en-US" sz="3200" dirty="0">
                   <a:latin typeface="+mn-lt"/>
                 </a:endParaRPr>
@@ -12552,7 +13489,7 @@
             </p:txBody>
           </p:sp>
         </mc:Choice>
-        <mc:Fallback>
+        <mc:Fallback xmlns="">
           <p:sp>
             <p:nvSpPr>
               <p:cNvPr id="10" name="ZoneTexte 9"/>
@@ -12591,8 +13528,8 @@
           </p:sp>
         </mc:Fallback>
       </mc:AlternateContent>
-      <mc:AlternateContent xmlns:mc="http://schemas.openxmlformats.org/markup-compatibility/2006">
-        <mc:Choice xmlns:a14="http://schemas.microsoft.com/office/drawing/2010/main" Requires="a14">
+      <mc:AlternateContent xmlns:mc="http://schemas.openxmlformats.org/markup-compatibility/2006" xmlns:a14="http://schemas.microsoft.com/office/drawing/2010/main">
+        <mc:Choice Requires="a14">
           <p:sp>
             <p:nvSpPr>
               <p:cNvPr id="11" name="ZoneTexte 10"/>
@@ -12703,7 +13640,6 @@
                 <a:endParaRPr lang="en-US" sz="3200" dirty="0" smtClean="0"/>
               </a:p>
               <a:p>
-                <a:pPr/>
                 <a:r>
                   <a:rPr lang="fr-FR" sz="3200" dirty="0" smtClean="0"/>
                   <a:t>Si </a:t>
@@ -12787,13 +13723,12 @@
                 <a:endParaRPr lang="en-US" sz="3200" dirty="0"/>
               </a:p>
               <a:p>
-                <a:pPr/>
                 <a:endParaRPr lang="en-US" sz="3200" dirty="0"/>
               </a:p>
             </p:txBody>
           </p:sp>
         </mc:Choice>
-        <mc:Fallback>
+        <mc:Fallback xmlns="">
           <p:sp>
             <p:nvSpPr>
               <p:cNvPr id="11" name="ZoneTexte 10"/>
@@ -12873,8 +13808,8 @@
           </a:extLst>
         </p:spPr>
       </p:pic>
-      <mc:AlternateContent xmlns:mc="http://schemas.openxmlformats.org/markup-compatibility/2006">
-        <mc:Choice xmlns:a14="http://schemas.microsoft.com/office/drawing/2010/main" Requires="a14">
+      <mc:AlternateContent xmlns:mc="http://schemas.openxmlformats.org/markup-compatibility/2006" xmlns:a14="http://schemas.microsoft.com/office/drawing/2010/main">
+        <mc:Choice Requires="a14">
           <p:sp>
             <p:nvSpPr>
               <p:cNvPr id="2" name="ZoneTexte 1"/>
@@ -12970,7 +13905,7 @@
             </p:txBody>
           </p:sp>
         </mc:Choice>
-        <mc:Fallback>
+        <mc:Fallback xmlns="">
           <p:sp>
             <p:nvSpPr>
               <p:cNvPr id="2" name="ZoneTexte 1"/>
@@ -13941,6 +14876,27 @@
 </p:tagLst>
 </file>
 
+<file path=ppt/tags/tag21.xml><?xml version="1.0" encoding="utf-8"?>
+<p:tagLst xmlns:a="http://schemas.openxmlformats.org/drawingml/2006/main" xmlns:r="http://schemas.openxmlformats.org/officeDocument/2006/relationships" xmlns:p="http://schemas.openxmlformats.org/presentationml/2006/main">
+  <p:tag name="LATEXADDIN" val="\documentclass{article}&#10;\usepackage{amsmath}&#10;\pagestyle{empty}&#10;\begin{document}&#10;&#10;$\vec N$&#10;&#10;&#10;\end{document}"/>
+  <p:tag name="IGUANATEXSIZE" val="20"/>
+</p:tagLst>
+</file>
+
+<file path=ppt/tags/tag22.xml><?xml version="1.0" encoding="utf-8"?>
+<p:tagLst xmlns:a="http://schemas.openxmlformats.org/drawingml/2006/main" xmlns:r="http://schemas.openxmlformats.org/officeDocument/2006/relationships" xmlns:p="http://schemas.openxmlformats.org/presentationml/2006/main">
+  <p:tag name="LATEXADDIN" val="\documentclass{article}&#10;\usepackage{amsmath}&#10;\pagestyle{empty}&#10;\begin{document}&#10;&#10;$\vec N$&#10;&#10;&#10;\end{document}"/>
+  <p:tag name="IGUANATEXSIZE" val="20"/>
+</p:tagLst>
+</file>
+
+<file path=ppt/tags/tag23.xml><?xml version="1.0" encoding="utf-8"?>
+<p:tagLst xmlns:a="http://schemas.openxmlformats.org/drawingml/2006/main" xmlns:r="http://schemas.openxmlformats.org/officeDocument/2006/relationships" xmlns:p="http://schemas.openxmlformats.org/presentationml/2006/main">
+  <p:tag name="LATEXADDIN" val="\documentclass{article}&#10;\usepackage{amsmath}&#10;\pagestyle{empty}&#10;\begin{document}&#10;&#10;$\vec P$&#10;&#10;&#10;\end{document}"/>
+  <p:tag name="IGUANATEXSIZE" val="20"/>
+</p:tagLst>
+</file>
+
 <file path=ppt/tags/tag3.xml><?xml version="1.0" encoding="utf-8"?>
 <p:tagLst xmlns:a="http://schemas.openxmlformats.org/drawingml/2006/main" xmlns:r="http://schemas.openxmlformats.org/officeDocument/2006/relationships" xmlns:p="http://schemas.openxmlformats.org/presentationml/2006/main">
   <p:tag name="LATEXADDIN" val="\documentclass{article}&#10;\usepackage{amsmath}&#10;\pagestyle{empty}&#10;\begin{document}&#10;&#10;&#10;$\vec{g}$&#10;&#10;\end{document}"/>
